--- a/input/images-source/LabExampleE7TechnicalPart1.pptx
+++ b/input/images-source/LabExampleE7TechnicalPart1.pptx
@@ -259,7 +259,7 @@
           <a:p>
             <a:fld id="{82A80506-317F-4DB9-92D4-7565E8A7FA19}" type="datetimeFigureOut">
               <a:rPr lang="fr-FR" smtClean="0"/>
-              <a:t>24/06/2020</a:t>
+              <a:t>27/06/2020</a:t>
             </a:fld>
             <a:endParaRPr lang="fr-FR"/>
           </a:p>
@@ -457,7 +457,7 @@
           <a:p>
             <a:fld id="{82A80506-317F-4DB9-92D4-7565E8A7FA19}" type="datetimeFigureOut">
               <a:rPr lang="fr-FR" smtClean="0"/>
-              <a:t>24/06/2020</a:t>
+              <a:t>27/06/2020</a:t>
             </a:fld>
             <a:endParaRPr lang="fr-FR"/>
           </a:p>
@@ -665,7 +665,7 @@
           <a:p>
             <a:fld id="{82A80506-317F-4DB9-92D4-7565E8A7FA19}" type="datetimeFigureOut">
               <a:rPr lang="fr-FR" smtClean="0"/>
-              <a:t>24/06/2020</a:t>
+              <a:t>27/06/2020</a:t>
             </a:fld>
             <a:endParaRPr lang="fr-FR"/>
           </a:p>
@@ -863,7 +863,7 @@
           <a:p>
             <a:fld id="{82A80506-317F-4DB9-92D4-7565E8A7FA19}" type="datetimeFigureOut">
               <a:rPr lang="fr-FR" smtClean="0"/>
-              <a:t>24/06/2020</a:t>
+              <a:t>27/06/2020</a:t>
             </a:fld>
             <a:endParaRPr lang="fr-FR"/>
           </a:p>
@@ -1138,7 +1138,7 @@
           <a:p>
             <a:fld id="{82A80506-317F-4DB9-92D4-7565E8A7FA19}" type="datetimeFigureOut">
               <a:rPr lang="fr-FR" smtClean="0"/>
-              <a:t>24/06/2020</a:t>
+              <a:t>27/06/2020</a:t>
             </a:fld>
             <a:endParaRPr lang="fr-FR"/>
           </a:p>
@@ -1403,7 +1403,7 @@
           <a:p>
             <a:fld id="{82A80506-317F-4DB9-92D4-7565E8A7FA19}" type="datetimeFigureOut">
               <a:rPr lang="fr-FR" smtClean="0"/>
-              <a:t>24/06/2020</a:t>
+              <a:t>27/06/2020</a:t>
             </a:fld>
             <a:endParaRPr lang="fr-FR"/>
           </a:p>
@@ -1815,7 +1815,7 @@
           <a:p>
             <a:fld id="{82A80506-317F-4DB9-92D4-7565E8A7FA19}" type="datetimeFigureOut">
               <a:rPr lang="fr-FR" smtClean="0"/>
-              <a:t>24/06/2020</a:t>
+              <a:t>27/06/2020</a:t>
             </a:fld>
             <a:endParaRPr lang="fr-FR"/>
           </a:p>
@@ -1956,7 +1956,7 @@
           <a:p>
             <a:fld id="{82A80506-317F-4DB9-92D4-7565E8A7FA19}" type="datetimeFigureOut">
               <a:rPr lang="fr-FR" smtClean="0"/>
-              <a:t>24/06/2020</a:t>
+              <a:t>27/06/2020</a:t>
             </a:fld>
             <a:endParaRPr lang="fr-FR"/>
           </a:p>
@@ -2069,7 +2069,7 @@
           <a:p>
             <a:fld id="{82A80506-317F-4DB9-92D4-7565E8A7FA19}" type="datetimeFigureOut">
               <a:rPr lang="fr-FR" smtClean="0"/>
-              <a:t>24/06/2020</a:t>
+              <a:t>27/06/2020</a:t>
             </a:fld>
             <a:endParaRPr lang="fr-FR"/>
           </a:p>
@@ -2380,7 +2380,7 @@
           <a:p>
             <a:fld id="{82A80506-317F-4DB9-92D4-7565E8A7FA19}" type="datetimeFigureOut">
               <a:rPr lang="fr-FR" smtClean="0"/>
-              <a:t>24/06/2020</a:t>
+              <a:t>27/06/2020</a:t>
             </a:fld>
             <a:endParaRPr lang="fr-FR"/>
           </a:p>
@@ -2668,7 +2668,7 @@
           <a:p>
             <a:fld id="{82A80506-317F-4DB9-92D4-7565E8A7FA19}" type="datetimeFigureOut">
               <a:rPr lang="fr-FR" smtClean="0"/>
-              <a:t>24/06/2020</a:t>
+              <a:t>27/06/2020</a:t>
             </a:fld>
             <a:endParaRPr lang="fr-FR"/>
           </a:p>
@@ -2909,7 +2909,7 @@
           <a:p>
             <a:fld id="{82A80506-317F-4DB9-92D4-7565E8A7FA19}" type="datetimeFigureOut">
               <a:rPr lang="fr-FR" smtClean="0"/>
-              <a:t>24/06/2020</a:t>
+              <a:t>27/06/2020</a:t>
             </a:fld>
             <a:endParaRPr lang="fr-FR"/>
           </a:p>
